--- a/Modelos Organizacionales/TPS/TP_Grupo_C_Redes_Sociales_FINAL.pptx
+++ b/Modelos Organizacionales/TPS/TP_Grupo_C_Redes_Sociales_FINAL.pptx
@@ -421,7 +421,7 @@
     </p:spTree>
     <p:extLst>
       <p:ext uri="{BB962C8B-B14F-4D97-AF65-F5344CB8AC3E}">
-        <p14:creationId xmlns="" xmlns:p14="http://schemas.microsoft.com/office/powerpoint/2010/main" val="1846307571"/>
+        <p14:creationId xmlns:p14="http://schemas.microsoft.com/office/powerpoint/2010/main" xmlns="" val="1846307571"/>
       </p:ext>
     </p:extLst>
   </p:cSld>
@@ -596,7 +596,7 @@
     </p:spTree>
     <p:extLst>
       <p:ext uri="{BB962C8B-B14F-4D97-AF65-F5344CB8AC3E}">
-        <p14:creationId xmlns="" xmlns:p14="http://schemas.microsoft.com/office/powerpoint/2010/main" val="2266193318"/>
+        <p14:creationId xmlns:p14="http://schemas.microsoft.com/office/powerpoint/2010/main" xmlns="" val="2266193318"/>
       </p:ext>
     </p:extLst>
   </p:cSld>
@@ -12319,41 +12319,21 @@
             </a:pPr>
             <a:r>
               <a:rPr lang="es-AR" dirty="0" smtClean="0"/>
-              <a:t>Determinar </a:t>
-            </a:r>
+              <a:t>Determinar los atributos de la red social</a:t>
+            </a:r>
+          </a:p>
+          <a:p>
+            <a:pPr marL="880110" lvl="1" indent="-514350"/>
             <a:r>
               <a:rPr lang="es-AR" dirty="0" smtClean="0"/>
-              <a:t>los atributos de la red </a:t>
-            </a:r>
+              <a:t>Redes de apoyo</a:t>
+            </a:r>
+          </a:p>
+          <a:p>
+            <a:pPr marL="880110" lvl="1" indent="-514350"/>
             <a:r>
               <a:rPr lang="es-AR" dirty="0" smtClean="0"/>
-              <a:t>social</a:t>
-            </a:r>
-          </a:p>
-          <a:p>
-            <a:pPr marL="880110" lvl="1" indent="-514350"/>
-            <a:r>
-              <a:rPr lang="es-AR" dirty="0" smtClean="0"/>
-              <a:t>Redes </a:t>
-            </a:r>
-            <a:r>
-              <a:rPr lang="es-AR" dirty="0" smtClean="0"/>
-              <a:t>de </a:t>
-            </a:r>
-            <a:r>
-              <a:rPr lang="es-AR" dirty="0" smtClean="0"/>
-              <a:t>apoyo</a:t>
-            </a:r>
-          </a:p>
-          <a:p>
-            <a:pPr marL="880110" lvl="1" indent="-514350"/>
-            <a:r>
-              <a:rPr lang="es-AR" dirty="0" smtClean="0"/>
-              <a:t>Redes de </a:t>
-            </a:r>
-            <a:r>
-              <a:rPr lang="es-AR" dirty="0" smtClean="0"/>
-              <a:t>conocimiento</a:t>
+              <a:t>Redes de conocimiento</a:t>
             </a:r>
           </a:p>
           <a:p>
@@ -12374,11 +12354,7 @@
             <a:pPr marL="880110" lvl="1" indent="-514350"/>
             <a:r>
               <a:rPr lang="es-AR" dirty="0" smtClean="0"/>
-              <a:t>Redes </a:t>
-            </a:r>
-            <a:r>
-              <a:rPr lang="es-AR" dirty="0" smtClean="0"/>
-              <a:t>mixtas</a:t>
+              <a:t>Redes mixtas</a:t>
             </a:r>
           </a:p>
           <a:p>
@@ -12392,11 +12368,7 @@
             </a:pPr>
             <a:r>
               <a:rPr lang="es-AR" dirty="0" smtClean="0"/>
-              <a:t>Definir el tipo de vínculos que pretende trabajar la red </a:t>
-            </a:r>
-            <a:r>
-              <a:rPr lang="es-AR" dirty="0" smtClean="0"/>
-              <a:t>social</a:t>
+              <a:t>Definir el tipo de vínculos que pretende trabajar la red social</a:t>
             </a:r>
           </a:p>
           <a:p>
@@ -12620,13 +12592,8 @@
           <a:p>
             <a:r>
               <a:rPr lang="es-AR" dirty="0" smtClean="0"/>
-              <a:t>“Una vez organizada una red, esta se convierte en un espacio de trabajo donde se potencia el intercambio y se socializan experiencias. Las relaciones e intercambios en múltiples direcciones consolidan un ambiente que enriquece el tejido humano promoviendo la participación no jerárquica de los actores sociales</a:t>
-            </a:r>
-            <a:r>
-              <a:rPr lang="es-AR" dirty="0" smtClean="0"/>
-              <a:t>.”</a:t>
-            </a:r>
-            <a:endParaRPr lang="es-AR" dirty="0" smtClean="0"/>
+              <a:t>“Una vez organizada una red, esta se convierte en un espacio de trabajo donde se potencia el intercambio y se socializan experiencias. Las relaciones e intercambios en múltiples direcciones consolidan un ambiente que enriquece el tejido humano promoviendo la participación no jerárquica de los actores sociales.”</a:t>
+            </a:r>
           </a:p>
         </p:txBody>
       </p:sp>
@@ -12763,13 +12730,8 @@
             <a:pPr lvl="0"/>
             <a:r>
               <a:rPr lang="es-AR" dirty="0" smtClean="0"/>
-              <a:t>Promover el </a:t>
-            </a:r>
-            <a:r>
-              <a:rPr lang="es-AR" dirty="0" smtClean="0"/>
-              <a:t>compromiso</a:t>
-            </a:r>
-            <a:endParaRPr lang="es-AR" dirty="0" smtClean="0"/>
+              <a:t>Promover el compromiso</a:t>
+            </a:r>
           </a:p>
         </p:txBody>
       </p:sp>
@@ -12792,11 +12754,7 @@
           <a:p>
             <a:r>
               <a:rPr lang="es-ES_tradnl" dirty="0" smtClean="0"/>
-              <a:t>Rol del coordinador dentro de las </a:t>
-            </a:r>
-            <a:r>
-              <a:rPr lang="es-ES_tradnl" dirty="0" smtClean="0"/>
-              <a:t>redes</a:t>
+              <a:t>Rol del coordinador dentro de las redes</a:t>
             </a:r>
             <a:endParaRPr lang="es-AR" dirty="0"/>
           </a:p>
@@ -15200,7 +15158,7 @@
           <a:blip r:embed="rId2" cstate="print">
             <a:extLst>
               <a:ext uri="{28A0092B-C50C-407E-A947-70E740481C1C}">
-                <a14:useLocalDpi xmlns="" xmlns:a14="http://schemas.microsoft.com/office/drawing/2010/main" val="0"/>
+                <a14:useLocalDpi xmlns:a14="http://schemas.microsoft.com/office/drawing/2010/main" xmlns="" val="0"/>
               </a:ext>
             </a:extLst>
           </a:blip>
@@ -19190,7 +19148,7 @@
           <a:blip r:embed="rId2" cstate="print">
             <a:extLst>
               <a:ext uri="{28A0092B-C50C-407E-A947-70E740481C1C}">
-                <a14:useLocalDpi xmlns="" xmlns:a14="http://schemas.microsoft.com/office/drawing/2010/main" val="0"/>
+                <a14:useLocalDpi xmlns:a14="http://schemas.microsoft.com/office/drawing/2010/main" xmlns="" val="0"/>
               </a:ext>
             </a:extLst>
           </a:blip>
@@ -22219,7 +22177,7 @@
           <a:blip r:embed="rId2" cstate="print">
             <a:extLst>
               <a:ext uri="{28A0092B-C50C-407E-A947-70E740481C1C}">
-                <a14:useLocalDpi xmlns="" xmlns:a14="http://schemas.microsoft.com/office/drawing/2010/main" val="0"/>
+                <a14:useLocalDpi xmlns:a14="http://schemas.microsoft.com/office/drawing/2010/main" xmlns="" val="0"/>
               </a:ext>
             </a:extLst>
           </a:blip>
@@ -22373,7 +22331,7 @@
           <a:blip r:embed="rId2" cstate="print">
             <a:extLst>
               <a:ext uri="{28A0092B-C50C-407E-A947-70E740481C1C}">
-                <a14:useLocalDpi xmlns="" xmlns:a14="http://schemas.microsoft.com/office/drawing/2010/main" val="0"/>
+                <a14:useLocalDpi xmlns:a14="http://schemas.microsoft.com/office/drawing/2010/main" xmlns="" val="0"/>
               </a:ext>
             </a:extLst>
           </a:blip>
@@ -22490,7 +22448,7 @@
           <a:p>
             <a:r>
               <a:rPr lang="es-ES_tradnl" dirty="0" smtClean="0"/>
-              <a:t>Características de las redes</a:t>
+              <a:t>Algunas características</a:t>
             </a:r>
             <a:endParaRPr lang="es-ES_tradnl" dirty="0"/>
           </a:p>
@@ -22508,7 +22466,7 @@
           <a:blip r:embed="rId2" cstate="print">
             <a:extLst>
               <a:ext uri="{28A0092B-C50C-407E-A947-70E740481C1C}">
-                <a14:useLocalDpi xmlns="" xmlns:a14="http://schemas.microsoft.com/office/drawing/2010/main" val="0"/>
+                <a14:useLocalDpi xmlns:a14="http://schemas.microsoft.com/office/drawing/2010/main" xmlns="" val="0"/>
               </a:ext>
             </a:extLst>
           </a:blip>
@@ -22529,7 +22487,7 @@
     </p:spTree>
     <p:extLst>
       <p:ext uri="{BB962C8B-B14F-4D97-AF65-F5344CB8AC3E}">
-        <p14:creationId xmlns="" xmlns:p14="http://schemas.microsoft.com/office/powerpoint/2010/main" val="1483881006"/>
+        <p14:creationId xmlns:p14="http://schemas.microsoft.com/office/powerpoint/2010/main" xmlns="" val="1483881006"/>
       </p:ext>
     </p:extLst>
   </p:cSld>
@@ -22583,11 +22541,7 @@
           <a:p>
             <a:r>
               <a:rPr lang="es-AR" dirty="0" smtClean="0"/>
-              <a:t>Conformación de redes </a:t>
-            </a:r>
-            <a:r>
-              <a:rPr lang="es-AR" dirty="0" smtClean="0"/>
-              <a:t>sociales</a:t>
+              <a:t>Conformación de redes sociales</a:t>
             </a:r>
             <a:endParaRPr lang="es-AR" dirty="0"/>
           </a:p>
